--- a/Apresentacao.pptx
+++ b/Apresentacao.pptx
@@ -10,10 +10,12 @@
     <p:sldId id="262" r:id="rId4"/>
     <p:sldId id="258" r:id="rId5"/>
     <p:sldId id="259" r:id="rId6"/>
-    <p:sldId id="260" r:id="rId7"/>
-    <p:sldId id="261" r:id="rId8"/>
-    <p:sldId id="263" r:id="rId9"/>
-    <p:sldId id="264" r:id="rId10"/>
+    <p:sldId id="266" r:id="rId7"/>
+    <p:sldId id="260" r:id="rId8"/>
+    <p:sldId id="261" r:id="rId9"/>
+    <p:sldId id="263" r:id="rId10"/>
+    <p:sldId id="264" r:id="rId11"/>
+    <p:sldId id="265" r:id="rId12"/>
   </p:sldIdLst>
   <p:sldSz cx="9144000" cy="6858000" type="screen4x3"/>
   <p:notesSz cx="6858000" cy="9144000"/>
@@ -4632,7 +4634,12 @@
             <p:ph type="subTitle" idx="1"/>
           </p:nvPr>
         </p:nvSpPr>
-        <p:spPr/>
+        <p:spPr>
+          <a:xfrm>
+            <a:off x="683568" y="3645024"/>
+            <a:ext cx="7772400" cy="1199704"/>
+          </a:xfrm>
+        </p:spPr>
         <p:txBody>
           <a:bodyPr/>
           <a:lstStyle/>
@@ -4640,15 +4647,7 @@
             <a:pPr algn="ctr"/>
             <a:r>
               <a:rPr lang="pt-BR" dirty="0" smtClean="0"/>
-              <a:t>Dados </a:t>
-            </a:r>
-            <a:r>
-              <a:rPr lang="pt-BR" dirty="0" smtClean="0"/>
-              <a:t>GNSS via </a:t>
-            </a:r>
-            <a:r>
-              <a:rPr lang="pt-BR" dirty="0" smtClean="0"/>
-              <a:t>NTRIP e FTP</a:t>
+              <a:t>Dados GNSS via NTRIP e FTP</a:t>
             </a:r>
             <a:endParaRPr lang="pt-BR" dirty="0"/>
           </a:p>
@@ -4778,6 +4777,232 @@
 </p:sld>
 </file>
 
+<file path=ppt/slides/slide10.xml><?xml version="1.0" encoding="utf-8"?>
+<p:sld xmlns:a="http://schemas.openxmlformats.org/drawingml/2006/main" xmlns:r="http://schemas.openxmlformats.org/officeDocument/2006/relationships" xmlns:p="http://schemas.openxmlformats.org/presentationml/2006/main">
+  <p:cSld>
+    <p:spTree>
+      <p:nvGrpSpPr>
+        <p:cNvPr id="1" name=""/>
+        <p:cNvGrpSpPr/>
+        <p:nvPr/>
+      </p:nvGrpSpPr>
+      <p:grpSpPr>
+        <a:xfrm>
+          <a:off x="0" y="0"/>
+          <a:ext cx="0" cy="0"/>
+          <a:chOff x="0" y="0"/>
+          <a:chExt cx="0" cy="0"/>
+        </a:xfrm>
+      </p:grpSpPr>
+      <p:sp>
+        <p:nvSpPr>
+          <p:cNvPr id="3" name="Título 2"/>
+          <p:cNvSpPr>
+            <a:spLocks noGrp="1"/>
+          </p:cNvSpPr>
+          <p:nvPr>
+            <p:ph type="title"/>
+          </p:nvPr>
+        </p:nvSpPr>
+        <p:spPr/>
+        <p:txBody>
+          <a:bodyPr/>
+          <a:lstStyle/>
+          <a:p>
+            <a:pPr algn="ctr"/>
+            <a:r>
+              <a:rPr lang="pt-BR" dirty="0" smtClean="0"/>
+              <a:t>Precise Ephemeris</a:t>
+            </a:r>
+            <a:endParaRPr lang="pt-BR" dirty="0"/>
+          </a:p>
+        </p:txBody>
+      </p:sp>
+      <p:pic>
+        <p:nvPicPr>
+          <p:cNvPr id="3074" name="Picture 2"/>
+          <p:cNvPicPr>
+            <a:picLocks noChangeAspect="1" noChangeArrowheads="1"/>
+          </p:cNvPicPr>
+          <p:nvPr/>
+        </p:nvPicPr>
+        <p:blipFill>
+          <a:blip r:embed="rId2">
+            <a:extLst>
+              <a:ext uri="{28A0092B-C50C-407E-A947-70E740481C1C}">
+                <a14:useLocalDpi xmlns:a14="http://schemas.microsoft.com/office/drawing/2010/main" val="0"/>
+              </a:ext>
+            </a:extLst>
+          </a:blip>
+          <a:srcRect/>
+          <a:stretch>
+            <a:fillRect/>
+          </a:stretch>
+        </p:blipFill>
+        <p:spPr bwMode="auto">
+          <a:xfrm>
+            <a:off x="2267744" y="1412776"/>
+            <a:ext cx="4901232" cy="4910095"/>
+          </a:xfrm>
+          <a:prstGeom prst="rect">
+            <a:avLst/>
+          </a:prstGeom>
+          <a:noFill/>
+          <a:ln>
+            <a:noFill/>
+          </a:ln>
+          <a:extLst>
+            <a:ext uri="{909E8E84-426E-40DD-AFC4-6F175D3DCCD1}">
+              <a14:hiddenFill xmlns:a14="http://schemas.microsoft.com/office/drawing/2010/main">
+                <a:solidFill>
+                  <a:schemeClr val="accent1"/>
+                </a:solidFill>
+              </a14:hiddenFill>
+            </a:ext>
+            <a:ext uri="{91240B29-F687-4F45-9708-019B960494DF}">
+              <a14:hiddenLine xmlns:a14="http://schemas.microsoft.com/office/drawing/2010/main" w="9525">
+                <a:solidFill>
+                  <a:schemeClr val="tx1"/>
+                </a:solidFill>
+                <a:miter lim="800000"/>
+                <a:headEnd/>
+                <a:tailEnd/>
+              </a14:hiddenLine>
+            </a:ext>
+          </a:extLst>
+        </p:spPr>
+      </p:pic>
+    </p:spTree>
+    <p:extLst>
+      <p:ext uri="{BB962C8B-B14F-4D97-AF65-F5344CB8AC3E}">
+        <p14:creationId xmlns:p14="http://schemas.microsoft.com/office/powerpoint/2010/main" val="3641519193"/>
+      </p:ext>
+    </p:extLst>
+  </p:cSld>
+  <p:clrMapOvr>
+    <a:masterClrMapping/>
+  </p:clrMapOvr>
+</p:sld>
+</file>
+
+<file path=ppt/slides/slide11.xml><?xml version="1.0" encoding="utf-8"?>
+<p:sld xmlns:a="http://schemas.openxmlformats.org/drawingml/2006/main" xmlns:r="http://schemas.openxmlformats.org/officeDocument/2006/relationships" xmlns:p="http://schemas.openxmlformats.org/presentationml/2006/main">
+  <p:cSld>
+    <p:spTree>
+      <p:nvGrpSpPr>
+        <p:cNvPr id="1" name=""/>
+        <p:cNvGrpSpPr/>
+        <p:nvPr/>
+      </p:nvGrpSpPr>
+      <p:grpSpPr>
+        <a:xfrm>
+          <a:off x="0" y="0"/>
+          <a:ext cx="0" cy="0"/>
+          <a:chOff x="0" y="0"/>
+          <a:chExt cx="0" cy="0"/>
+        </a:xfrm>
+      </p:grpSpPr>
+      <p:sp>
+        <p:nvSpPr>
+          <p:cNvPr id="3" name="Título 2"/>
+          <p:cNvSpPr>
+            <a:spLocks noGrp="1"/>
+          </p:cNvSpPr>
+          <p:nvPr>
+            <p:ph type="title"/>
+          </p:nvPr>
+        </p:nvSpPr>
+        <p:spPr/>
+        <p:txBody>
+          <a:bodyPr/>
+          <a:lstStyle/>
+          <a:p>
+            <a:pPr algn="ctr"/>
+            <a:r>
+              <a:rPr lang="pt-BR" dirty="0" err="1" smtClean="0"/>
+              <a:t>Maven</a:t>
+            </a:r>
+            <a:r>
+              <a:rPr lang="pt-BR" dirty="0" smtClean="0"/>
+              <a:t> Java </a:t>
+            </a:r>
+            <a:r>
+              <a:rPr lang="pt-BR" dirty="0" err="1" smtClean="0"/>
+              <a:t>Program</a:t>
+            </a:r>
+            <a:endParaRPr lang="pt-BR" dirty="0"/>
+          </a:p>
+        </p:txBody>
+      </p:sp>
+      <p:pic>
+        <p:nvPicPr>
+          <p:cNvPr id="1026" name="Picture 2"/>
+          <p:cNvPicPr>
+            <a:picLocks noGrp="1" noChangeAspect="1" noChangeArrowheads="1"/>
+          </p:cNvPicPr>
+          <p:nvPr>
+            <p:ph idx="1"/>
+          </p:nvPr>
+        </p:nvPicPr>
+        <p:blipFill>
+          <a:blip r:embed="rId2">
+            <a:extLst>
+              <a:ext uri="{28A0092B-C50C-407E-A947-70E740481C1C}">
+                <a14:useLocalDpi xmlns:a14="http://schemas.microsoft.com/office/drawing/2010/main" val="0"/>
+              </a:ext>
+            </a:extLst>
+          </a:blip>
+          <a:srcRect/>
+          <a:stretch>
+            <a:fillRect/>
+          </a:stretch>
+        </p:blipFill>
+        <p:spPr bwMode="auto">
+          <a:xfrm>
+            <a:off x="2627784" y="1484784"/>
+            <a:ext cx="4047331" cy="4611303"/>
+          </a:xfrm>
+          <a:prstGeom prst="rect">
+            <a:avLst/>
+          </a:prstGeom>
+          <a:noFill/>
+          <a:ln>
+            <a:noFill/>
+          </a:ln>
+          <a:extLst>
+            <a:ext uri="{909E8E84-426E-40DD-AFC4-6F175D3DCCD1}">
+              <a14:hiddenFill xmlns:a14="http://schemas.microsoft.com/office/drawing/2010/main">
+                <a:solidFill>
+                  <a:schemeClr val="accent1"/>
+                </a:solidFill>
+              </a14:hiddenFill>
+            </a:ext>
+            <a:ext uri="{91240B29-F687-4F45-9708-019B960494DF}">
+              <a14:hiddenLine xmlns:a14="http://schemas.microsoft.com/office/drawing/2010/main" w="9525">
+                <a:solidFill>
+                  <a:schemeClr val="tx1"/>
+                </a:solidFill>
+                <a:miter lim="800000"/>
+                <a:headEnd/>
+                <a:tailEnd/>
+              </a14:hiddenLine>
+            </a:ext>
+          </a:extLst>
+        </p:spPr>
+      </p:pic>
+    </p:spTree>
+    <p:extLst>
+      <p:ext uri="{BB962C8B-B14F-4D97-AF65-F5344CB8AC3E}">
+        <p14:creationId xmlns:p14="http://schemas.microsoft.com/office/powerpoint/2010/main" val="1759919568"/>
+      </p:ext>
+    </p:extLst>
+  </p:cSld>
+  <p:clrMapOvr>
+    <a:masterClrMapping/>
+  </p:clrMapOvr>
+</p:sld>
+</file>
+
 <file path=ppt/slides/slide2.xml><?xml version="1.0" encoding="utf-8"?>
 <p:sld xmlns:a="http://schemas.openxmlformats.org/drawingml/2006/main" xmlns:r="http://schemas.openxmlformats.org/officeDocument/2006/relationships" xmlns:p="http://schemas.openxmlformats.org/presentationml/2006/main">
   <p:cSld>
@@ -5091,8 +5316,8 @@
         </p:blipFill>
         <p:spPr bwMode="auto">
           <a:xfrm>
-            <a:off x="940390" y="1481138"/>
-            <a:ext cx="7263220" cy="4525962"/>
+            <a:off x="940390" y="1412776"/>
+            <a:ext cx="7263220" cy="4594324"/>
           </a:xfrm>
           <a:prstGeom prst="rect">
             <a:avLst/>
@@ -5130,7 +5355,7 @@
         </p:nvSpPr>
         <p:spPr>
           <a:xfrm>
-            <a:off x="2843808" y="6083448"/>
+            <a:off x="2860452" y="6083448"/>
             <a:ext cx="5328592" cy="307777"/>
           </a:xfrm>
           <a:prstGeom prst="rect">
@@ -5185,12 +5410,12 @@
       </p:grpSpPr>
       <p:sp>
         <p:nvSpPr>
-          <p:cNvPr id="2" name="Espaço Reservado para Conteúdo 1"/>
-          <p:cNvSpPr>
-            <a:spLocks noGrp="1"/>
-          </p:cNvSpPr>
-          <p:nvPr>
-            <p:ph idx="1"/>
+          <p:cNvPr id="3" name="Título 2"/>
+          <p:cNvSpPr>
+            <a:spLocks noGrp="1"/>
+          </p:cNvSpPr>
+          <p:nvPr>
+            <p:ph type="title"/>
           </p:nvPr>
         </p:nvSpPr>
         <p:spPr/>
@@ -5198,42 +5423,62 @@
           <a:bodyPr/>
           <a:lstStyle/>
           <a:p>
-            <a:endParaRPr lang="pt-BR"/>
-          </a:p>
-        </p:txBody>
-      </p:sp>
-      <p:sp>
-        <p:nvSpPr>
-          <p:cNvPr id="3" name="Título 2"/>
-          <p:cNvSpPr>
-            <a:spLocks noGrp="1"/>
-          </p:cNvSpPr>
-          <p:nvPr>
-            <p:ph type="title"/>
-          </p:nvPr>
-        </p:nvSpPr>
-        <p:spPr/>
-        <p:txBody>
-          <a:bodyPr/>
-          <a:lstStyle/>
-          <a:p>
             <a:pPr algn="ctr"/>
             <a:r>
-              <a:rPr lang="pt-BR" dirty="0" smtClean="0"/>
-              <a:t>Base64 </a:t>
-            </a:r>
-            <a:r>
               <a:rPr lang="pt-BR" dirty="0" err="1" smtClean="0"/>
-              <a:t>Convertion</a:t>
+              <a:t>Maven</a:t>
             </a:r>
             <a:endParaRPr lang="pt-BR" dirty="0"/>
           </a:p>
         </p:txBody>
       </p:sp>
+      <p:pic>
+        <p:nvPicPr>
+          <p:cNvPr id="2050" name="Picture 2" descr="C:\Users\Rogerio\Desktop\ScreenHunter 1924.jpg"/>
+          <p:cNvPicPr>
+            <a:picLocks noGrp="1" noChangeAspect="1" noChangeArrowheads="1"/>
+          </p:cNvPicPr>
+          <p:nvPr>
+            <p:ph idx="1"/>
+          </p:nvPr>
+        </p:nvPicPr>
+        <p:blipFill>
+          <a:blip r:embed="rId2">
+            <a:extLst>
+              <a:ext uri="{28A0092B-C50C-407E-A947-70E740481C1C}">
+                <a14:useLocalDpi xmlns:a14="http://schemas.microsoft.com/office/drawing/2010/main" val="0"/>
+              </a:ext>
+            </a:extLst>
+          </a:blip>
+          <a:srcRect/>
+          <a:stretch>
+            <a:fillRect/>
+          </a:stretch>
+        </p:blipFill>
+        <p:spPr bwMode="auto">
+          <a:xfrm>
+            <a:off x="395536" y="1484784"/>
+            <a:ext cx="8352928" cy="4395149"/>
+          </a:xfrm>
+          <a:prstGeom prst="rect">
+            <a:avLst/>
+          </a:prstGeom>
+          <a:noFill/>
+          <a:extLst>
+            <a:ext uri="{909E8E84-426E-40DD-AFC4-6F175D3DCCD1}">
+              <a14:hiddenFill xmlns:a14="http://schemas.microsoft.com/office/drawing/2010/main">
+                <a:solidFill>
+                  <a:srgbClr val="FFFFFF"/>
+                </a:solidFill>
+              </a14:hiddenFill>
+            </a:ext>
+          </a:extLst>
+        </p:spPr>
+      </p:pic>
     </p:spTree>
     <p:extLst>
       <p:ext uri="{BB962C8B-B14F-4D97-AF65-F5344CB8AC3E}">
-        <p14:creationId xmlns:p14="http://schemas.microsoft.com/office/powerpoint/2010/main" val="15833681"/>
+        <p14:creationId xmlns:p14="http://schemas.microsoft.com/office/powerpoint/2010/main" val="3723135695"/>
       </p:ext>
     </p:extLst>
   </p:cSld>
@@ -5275,11 +5520,7 @@
           <a:bodyPr/>
           <a:lstStyle/>
           <a:p>
-            <a:r>
-              <a:rPr lang="pt-BR" dirty="0" smtClean="0"/>
-              <a:t>SITE COM TODAS AS CONVERSOES</a:t>
-            </a:r>
-            <a:endParaRPr lang="pt-BR" dirty="0"/>
+            <a:endParaRPr lang="pt-BR"/>
           </a:p>
         </p:txBody>
       </p:sp>
@@ -5301,11 +5542,11 @@
             <a:pPr algn="ctr"/>
             <a:r>
               <a:rPr lang="pt-BR" dirty="0" smtClean="0"/>
-              <a:t>RTCM </a:t>
+              <a:t>Base64 </a:t>
             </a:r>
             <a:r>
               <a:rPr lang="pt-BR" dirty="0" err="1" smtClean="0"/>
-              <a:t>Convertions</a:t>
+              <a:t>Convertion</a:t>
             </a:r>
             <a:endParaRPr lang="pt-BR" dirty="0"/>
           </a:p>
@@ -5314,7 +5555,7 @@
     </p:spTree>
     <p:extLst>
       <p:ext uri="{BB962C8B-B14F-4D97-AF65-F5344CB8AC3E}">
-        <p14:creationId xmlns:p14="http://schemas.microsoft.com/office/powerpoint/2010/main" val="4207412267"/>
+        <p14:creationId xmlns:p14="http://schemas.microsoft.com/office/powerpoint/2010/main" val="15833681"/>
       </p:ext>
     </p:extLst>
   </p:cSld>
@@ -5343,6 +5584,87 @@
       </p:grpSpPr>
       <p:sp>
         <p:nvSpPr>
+          <p:cNvPr id="2" name="Espaço Reservado para Conteúdo 1"/>
+          <p:cNvSpPr>
+            <a:spLocks noGrp="1"/>
+          </p:cNvSpPr>
+          <p:nvPr>
+            <p:ph idx="1"/>
+          </p:nvPr>
+        </p:nvSpPr>
+        <p:spPr/>
+        <p:txBody>
+          <a:bodyPr/>
+          <a:lstStyle/>
+          <a:p>
+            <a:r>
+              <a:rPr lang="pt-BR" dirty="0" smtClean="0"/>
+              <a:t>SITE COM TODAS AS CONVERSOES</a:t>
+            </a:r>
+            <a:endParaRPr lang="pt-BR" dirty="0"/>
+          </a:p>
+        </p:txBody>
+      </p:sp>
+      <p:sp>
+        <p:nvSpPr>
+          <p:cNvPr id="3" name="Título 2"/>
+          <p:cNvSpPr>
+            <a:spLocks noGrp="1"/>
+          </p:cNvSpPr>
+          <p:nvPr>
+            <p:ph type="title"/>
+          </p:nvPr>
+        </p:nvSpPr>
+        <p:spPr/>
+        <p:txBody>
+          <a:bodyPr/>
+          <a:lstStyle/>
+          <a:p>
+            <a:pPr algn="ctr"/>
+            <a:r>
+              <a:rPr lang="pt-BR" dirty="0" smtClean="0"/>
+              <a:t>RTCM </a:t>
+            </a:r>
+            <a:r>
+              <a:rPr lang="pt-BR" dirty="0" err="1" smtClean="0"/>
+              <a:t>Convertions</a:t>
+            </a:r>
+            <a:endParaRPr lang="pt-BR" dirty="0"/>
+          </a:p>
+        </p:txBody>
+      </p:sp>
+    </p:spTree>
+    <p:extLst>
+      <p:ext uri="{BB962C8B-B14F-4D97-AF65-F5344CB8AC3E}">
+        <p14:creationId xmlns:p14="http://schemas.microsoft.com/office/powerpoint/2010/main" val="4207412267"/>
+      </p:ext>
+    </p:extLst>
+  </p:cSld>
+  <p:clrMapOvr>
+    <a:masterClrMapping/>
+  </p:clrMapOvr>
+</p:sld>
+</file>
+
+<file path=ppt/slides/slide9.xml><?xml version="1.0" encoding="utf-8"?>
+<p:sld xmlns:a="http://schemas.openxmlformats.org/drawingml/2006/main" xmlns:r="http://schemas.openxmlformats.org/officeDocument/2006/relationships" xmlns:p="http://schemas.openxmlformats.org/presentationml/2006/main">
+  <p:cSld>
+    <p:spTree>
+      <p:nvGrpSpPr>
+        <p:cNvPr id="1" name=""/>
+        <p:cNvGrpSpPr/>
+        <p:nvPr/>
+      </p:nvGrpSpPr>
+      <p:grpSpPr>
+        <a:xfrm>
+          <a:off x="0" y="0"/>
+          <a:ext cx="0" cy="0"/>
+          <a:chOff x="0" y="0"/>
+          <a:chExt cx="0" cy="0"/>
+        </a:xfrm>
+      </p:grpSpPr>
+      <p:sp>
+        <p:nvSpPr>
           <p:cNvPr id="3" name="Título 2"/>
           <p:cNvSpPr>
             <a:spLocks noGrp="1"/>
@@ -5390,7 +5712,7 @@
         </p:blipFill>
         <p:spPr bwMode="auto">
           <a:xfrm>
-            <a:off x="1259632" y="1484784"/>
+            <a:off x="1259632" y="1556792"/>
             <a:ext cx="6549953" cy="4169097"/>
           </a:xfrm>
           <a:prstGeom prst="rect">
@@ -5425,114 +5747,6 @@
     <p:extLst>
       <p:ext uri="{BB962C8B-B14F-4D97-AF65-F5344CB8AC3E}">
         <p14:creationId xmlns:p14="http://schemas.microsoft.com/office/powerpoint/2010/main" val="2161491337"/>
-      </p:ext>
-    </p:extLst>
-  </p:cSld>
-  <p:clrMapOvr>
-    <a:masterClrMapping/>
-  </p:clrMapOvr>
-</p:sld>
-</file>
-
-<file path=ppt/slides/slide9.xml><?xml version="1.0" encoding="utf-8"?>
-<p:sld xmlns:a="http://schemas.openxmlformats.org/drawingml/2006/main" xmlns:r="http://schemas.openxmlformats.org/officeDocument/2006/relationships" xmlns:p="http://schemas.openxmlformats.org/presentationml/2006/main">
-  <p:cSld>
-    <p:spTree>
-      <p:nvGrpSpPr>
-        <p:cNvPr id="1" name=""/>
-        <p:cNvGrpSpPr/>
-        <p:nvPr/>
-      </p:nvGrpSpPr>
-      <p:grpSpPr>
-        <a:xfrm>
-          <a:off x="0" y="0"/>
-          <a:ext cx="0" cy="0"/>
-          <a:chOff x="0" y="0"/>
-          <a:chExt cx="0" cy="0"/>
-        </a:xfrm>
-      </p:grpSpPr>
-      <p:sp>
-        <p:nvSpPr>
-          <p:cNvPr id="3" name="Título 2"/>
-          <p:cNvSpPr>
-            <a:spLocks noGrp="1"/>
-          </p:cNvSpPr>
-          <p:nvPr>
-            <p:ph type="title"/>
-          </p:nvPr>
-        </p:nvSpPr>
-        <p:spPr/>
-        <p:txBody>
-          <a:bodyPr/>
-          <a:lstStyle/>
-          <a:p>
-            <a:pPr algn="ctr"/>
-            <a:r>
-              <a:rPr lang="pt-BR" dirty="0" smtClean="0"/>
-              <a:t>Precise Ephemeris</a:t>
-            </a:r>
-            <a:endParaRPr lang="pt-BR" dirty="0"/>
-          </a:p>
-        </p:txBody>
-      </p:sp>
-      <p:pic>
-        <p:nvPicPr>
-          <p:cNvPr id="3074" name="Picture 2"/>
-          <p:cNvPicPr>
-            <a:picLocks noChangeAspect="1" noChangeArrowheads="1"/>
-          </p:cNvPicPr>
-          <p:nvPr/>
-        </p:nvPicPr>
-        <p:blipFill>
-          <a:blip r:embed="rId2">
-            <a:extLst>
-              <a:ext uri="{28A0092B-C50C-407E-A947-70E740481C1C}">
-                <a14:useLocalDpi xmlns:a14="http://schemas.microsoft.com/office/drawing/2010/main" val="0"/>
-              </a:ext>
-            </a:extLst>
-          </a:blip>
-          <a:srcRect/>
-          <a:stretch>
-            <a:fillRect/>
-          </a:stretch>
-        </p:blipFill>
-        <p:spPr bwMode="auto">
-          <a:xfrm>
-            <a:off x="2191048" y="1268760"/>
-            <a:ext cx="5267325" cy="5276850"/>
-          </a:xfrm>
-          <a:prstGeom prst="rect">
-            <a:avLst/>
-          </a:prstGeom>
-          <a:noFill/>
-          <a:ln>
-            <a:noFill/>
-          </a:ln>
-          <a:extLst>
-            <a:ext uri="{909E8E84-426E-40DD-AFC4-6F175D3DCCD1}">
-              <a14:hiddenFill xmlns:a14="http://schemas.microsoft.com/office/drawing/2010/main">
-                <a:solidFill>
-                  <a:schemeClr val="accent1"/>
-                </a:solidFill>
-              </a14:hiddenFill>
-            </a:ext>
-            <a:ext uri="{91240B29-F687-4F45-9708-019B960494DF}">
-              <a14:hiddenLine xmlns:a14="http://schemas.microsoft.com/office/drawing/2010/main" w="9525">
-                <a:solidFill>
-                  <a:schemeClr val="tx1"/>
-                </a:solidFill>
-                <a:miter lim="800000"/>
-                <a:headEnd/>
-                <a:tailEnd/>
-              </a14:hiddenLine>
-            </a:ext>
-          </a:extLst>
-        </p:spPr>
-      </p:pic>
-    </p:spTree>
-    <p:extLst>
-      <p:ext uri="{BB962C8B-B14F-4D97-AF65-F5344CB8AC3E}">
-        <p14:creationId xmlns:p14="http://schemas.microsoft.com/office/powerpoint/2010/main" val="3641519193"/>
       </p:ext>
     </p:extLst>
   </p:cSld>
